--- a/פגישות עמי/פגישות.pptx
+++ b/פגישות עמי/פגישות.pptx
@@ -6,7 +6,7 @@
     <p:sldMasterId id="2147483660" r:id="rId2"/>
   </p:sldMasterIdLst>
   <p:notesMasterIdLst>
-    <p:notesMasterId r:id="rId17"/>
+    <p:notesMasterId r:id="rId18"/>
   </p:notesMasterIdLst>
   <p:sldIdLst>
     <p:sldId id="259" r:id="rId3"/>
@@ -19,10 +19,11 @@
     <p:sldId id="260" r:id="rId10"/>
     <p:sldId id="265" r:id="rId11"/>
     <p:sldId id="267" r:id="rId12"/>
-    <p:sldId id="269" r:id="rId13"/>
-    <p:sldId id="270" r:id="rId14"/>
-    <p:sldId id="268" r:id="rId15"/>
-    <p:sldId id="264" r:id="rId16"/>
+    <p:sldId id="271" r:id="rId13"/>
+    <p:sldId id="269" r:id="rId14"/>
+    <p:sldId id="270" r:id="rId15"/>
+    <p:sldId id="268" r:id="rId16"/>
+    <p:sldId id="264" r:id="rId17"/>
   </p:sldIdLst>
   <p:sldSz cx="12192000" cy="6858000"/>
   <p:notesSz cx="6858000" cy="9144000"/>
@@ -211,7 +212,7 @@
           <a:p>
             <a:fld id="{A5A8BB2B-C565-4FE9-874C-9EE28C4F28CB}" type="datetimeFigureOut">
               <a:rPr lang="en-US" smtClean="0"/>
-              <a:t>26-11-19</a:t>
+              <a:t>28-11-19</a:t>
             </a:fld>
             <a:endParaRPr lang="en-US" dirty="0"/>
           </a:p>
@@ -853,6 +854,90 @@
 </p:notes>
 </file>
 
+<file path=ppt/notesSlides/notesSlide3.xml><?xml version="1.0" encoding="utf-8"?>
+<p:notes xmlns:a="http://schemas.openxmlformats.org/drawingml/2006/main" xmlns:r="http://schemas.openxmlformats.org/officeDocument/2006/relationships" xmlns:p="http://schemas.openxmlformats.org/presentationml/2006/main">
+  <p:cSld>
+    <p:spTree>
+      <p:nvGrpSpPr>
+        <p:cNvPr id="1" name=""/>
+        <p:cNvGrpSpPr/>
+        <p:nvPr/>
+      </p:nvGrpSpPr>
+      <p:grpSpPr>
+        <a:xfrm>
+          <a:off x="0" y="0"/>
+          <a:ext cx="0" cy="0"/>
+          <a:chOff x="0" y="0"/>
+          <a:chExt cx="0" cy="0"/>
+        </a:xfrm>
+      </p:grpSpPr>
+      <p:sp>
+        <p:nvSpPr>
+          <p:cNvPr id="2" name="Slide Image Placeholder 1"/>
+          <p:cNvSpPr>
+            <a:spLocks noGrp="1" noRot="1" noChangeAspect="1"/>
+          </p:cNvSpPr>
+          <p:nvPr>
+            <p:ph type="sldImg"/>
+          </p:nvPr>
+        </p:nvSpPr>
+        <p:spPr/>
+      </p:sp>
+      <p:sp>
+        <p:nvSpPr>
+          <p:cNvPr id="3" name="Notes Placeholder 2"/>
+          <p:cNvSpPr>
+            <a:spLocks noGrp="1"/>
+          </p:cNvSpPr>
+          <p:nvPr>
+            <p:ph type="body" idx="1"/>
+          </p:nvPr>
+        </p:nvSpPr>
+        <p:spPr/>
+        <p:txBody>
+          <a:bodyPr/>
+          <a:lstStyle/>
+          <a:p>
+            <a:endParaRPr lang="en-US" dirty="0"/>
+          </a:p>
+        </p:txBody>
+      </p:sp>
+      <p:sp>
+        <p:nvSpPr>
+          <p:cNvPr id="4" name="Slide Number Placeholder 3"/>
+          <p:cNvSpPr>
+            <a:spLocks noGrp="1"/>
+          </p:cNvSpPr>
+          <p:nvPr>
+            <p:ph type="sldNum" sz="quarter" idx="10"/>
+          </p:nvPr>
+        </p:nvSpPr>
+        <p:spPr/>
+        <p:txBody>
+          <a:bodyPr/>
+          <a:lstStyle/>
+          <a:p>
+            <a:fld id="{04134E31-2119-42F4-BC80-7B4F96B7D4EC}" type="slidenum">
+              <a:rPr lang="en-US" smtClean="0"/>
+              <a:t>11</a:t>
+            </a:fld>
+            <a:endParaRPr lang="en-US" dirty="0"/>
+          </a:p>
+        </p:txBody>
+      </p:sp>
+    </p:spTree>
+    <p:extLst>
+      <p:ext uri="{BB962C8B-B14F-4D97-AF65-F5344CB8AC3E}">
+        <p14:creationId xmlns:p14="http://schemas.microsoft.com/office/powerpoint/2010/main" val="3600995998"/>
+      </p:ext>
+    </p:extLst>
+  </p:cSld>
+  <p:clrMapOvr>
+    <a:masterClrMapping/>
+  </p:clrMapOvr>
+</p:notes>
+</file>
+
 <file path=ppt/slideLayouts/slideLayout1.xml><?xml version="1.0" encoding="utf-8"?>
 <p:sldLayout xmlns:a="http://schemas.openxmlformats.org/drawingml/2006/main" xmlns:r="http://schemas.openxmlformats.org/officeDocument/2006/relationships" xmlns:p="http://schemas.openxmlformats.org/presentationml/2006/main" type="title" preserve="1">
   <p:cSld name="Title Slide">
@@ -984,7 +1069,7 @@
           <a:p>
             <a:fld id="{AB814CEC-9F17-496B-99D6-DCE4BD5734FE}" type="datetimeFigureOut">
               <a:rPr lang="en-US" smtClean="0"/>
-              <a:t>26-11-19</a:t>
+              <a:t>28-11-19</a:t>
             </a:fld>
             <a:endParaRPr lang="en-US" dirty="0"/>
           </a:p>
@@ -1154,7 +1239,7 @@
           <a:p>
             <a:fld id="{AB814CEC-9F17-496B-99D6-DCE4BD5734FE}" type="datetimeFigureOut">
               <a:rPr lang="en-US" smtClean="0"/>
-              <a:t>26-11-19</a:t>
+              <a:t>28-11-19</a:t>
             </a:fld>
             <a:endParaRPr lang="en-US" dirty="0"/>
           </a:p>
@@ -1334,7 +1419,7 @@
           <a:p>
             <a:fld id="{AB814CEC-9F17-496B-99D6-DCE4BD5734FE}" type="datetimeFigureOut">
               <a:rPr lang="en-US" smtClean="0"/>
-              <a:t>26-11-19</a:t>
+              <a:t>28-11-19</a:t>
             </a:fld>
             <a:endParaRPr lang="en-US" dirty="0"/>
           </a:p>
@@ -1542,7 +1627,7 @@
           <a:p>
             <a:fld id="{9C751D70-D894-47B1-BA5C-A2BA7FFD222B}" type="datetime1">
               <a:rPr lang="en-US" smtClean="0"/>
-              <a:t>26-11-19</a:t>
+              <a:t>28-11-19</a:t>
             </a:fld>
             <a:endParaRPr lang="en-US" dirty="0"/>
           </a:p>
@@ -1740,7 +1825,7 @@
           <a:p>
             <a:fld id="{02B5EBCD-4AC6-4D4B-8D35-AC0651D82AB2}" type="datetime1">
               <a:rPr lang="en-US" smtClean="0"/>
-              <a:t>26-11-19</a:t>
+              <a:t>28-11-19</a:t>
             </a:fld>
             <a:endParaRPr lang="en-US" dirty="0"/>
           </a:p>
@@ -2015,7 +2100,7 @@
           <a:p>
             <a:fld id="{550CDAF3-9A51-438D-B1D0-14E681CB3177}" type="datetime1">
               <a:rPr lang="en-US" smtClean="0"/>
-              <a:t>26-11-19</a:t>
+              <a:t>28-11-19</a:t>
             </a:fld>
             <a:endParaRPr lang="en-US" dirty="0"/>
           </a:p>
@@ -2280,7 +2365,7 @@
           <a:p>
             <a:fld id="{D73AE37D-569C-4479-B38B-B24A0379D2E8}" type="datetime1">
               <a:rPr lang="en-US" smtClean="0"/>
-              <a:t>26-11-19</a:t>
+              <a:t>28-11-19</a:t>
             </a:fld>
             <a:endParaRPr lang="en-US" dirty="0"/>
           </a:p>
@@ -2692,7 +2777,7 @@
           <a:p>
             <a:fld id="{A5E9A43E-CFF9-48C3-B049-B9FA5E2E4F57}" type="datetime1">
               <a:rPr lang="en-US" smtClean="0"/>
-              <a:t>26-11-19</a:t>
+              <a:t>28-11-19</a:t>
             </a:fld>
             <a:endParaRPr lang="en-US" dirty="0"/>
           </a:p>
@@ -2833,7 +2918,7 @@
           <a:p>
             <a:fld id="{013D4D03-119E-4B95-90EB-03CB29F346AA}" type="datetime1">
               <a:rPr lang="en-US" smtClean="0"/>
-              <a:t>26-11-19</a:t>
+              <a:t>28-11-19</a:t>
             </a:fld>
             <a:endParaRPr lang="en-US" dirty="0"/>
           </a:p>
@@ -2946,7 +3031,7 @@
           <a:p>
             <a:fld id="{A027293F-426C-486A-945D-D5F33E5B14AB}" type="datetime1">
               <a:rPr lang="en-US" smtClean="0"/>
-              <a:t>26-11-19</a:t>
+              <a:t>28-11-19</a:t>
             </a:fld>
             <a:endParaRPr lang="en-US" dirty="0"/>
           </a:p>
@@ -3257,7 +3342,7 @@
           <a:p>
             <a:fld id="{8DC6A9D6-43D9-48BF-BAA3-41975785F0CB}" type="datetime1">
               <a:rPr lang="en-US" smtClean="0"/>
-              <a:t>26-11-19</a:t>
+              <a:t>28-11-19</a:t>
             </a:fld>
             <a:endParaRPr lang="en-US" dirty="0"/>
           </a:p>
@@ -3439,7 +3524,7 @@
           <a:p>
             <a:fld id="{AB814CEC-9F17-496B-99D6-DCE4BD5734FE}" type="datetimeFigureOut">
               <a:rPr lang="en-US" smtClean="0"/>
-              <a:t>26-11-19</a:t>
+              <a:t>28-11-19</a:t>
             </a:fld>
             <a:endParaRPr lang="en-US" dirty="0"/>
           </a:p>
@@ -3715,7 +3800,7 @@
           <a:p>
             <a:fld id="{AF73C7F7-F66F-4F95-8F3E-08CF18AC175D}" type="datetime1">
               <a:rPr lang="en-US" smtClean="0"/>
-              <a:t>26-11-19</a:t>
+              <a:t>28-11-19</a:t>
             </a:fld>
             <a:endParaRPr lang="en-US" dirty="0"/>
           </a:p>
@@ -3913,7 +3998,7 @@
           <a:p>
             <a:fld id="{061A801A-39E1-4A63-852A-1ED55567695B}" type="datetime1">
               <a:rPr lang="en-US" smtClean="0"/>
-              <a:t>26-11-19</a:t>
+              <a:t>28-11-19</a:t>
             </a:fld>
             <a:endParaRPr lang="en-US" dirty="0"/>
           </a:p>
@@ -4121,7 +4206,7 @@
           <a:p>
             <a:fld id="{744C8F9C-9F70-4A32-9C14-DB0721FED983}" type="datetime1">
               <a:rPr lang="en-US" smtClean="0"/>
-              <a:t>26-11-19</a:t>
+              <a:t>28-11-19</a:t>
             </a:fld>
             <a:endParaRPr lang="en-US" dirty="0"/>
           </a:p>
@@ -4379,7 +4464,7 @@
           <a:p>
             <a:fld id="{AB814CEC-9F17-496B-99D6-DCE4BD5734FE}" type="datetimeFigureOut">
               <a:rPr lang="en-US" smtClean="0"/>
-              <a:t>26-11-19</a:t>
+              <a:t>28-11-19</a:t>
             </a:fld>
             <a:endParaRPr lang="en-US" dirty="0"/>
           </a:p>
@@ -4611,7 +4696,7 @@
           <a:p>
             <a:fld id="{AB814CEC-9F17-496B-99D6-DCE4BD5734FE}" type="datetimeFigureOut">
               <a:rPr lang="en-US" smtClean="0"/>
-              <a:t>26-11-19</a:t>
+              <a:t>28-11-19</a:t>
             </a:fld>
             <a:endParaRPr lang="en-US" dirty="0"/>
           </a:p>
@@ -4978,7 +5063,7 @@
           <a:p>
             <a:fld id="{AB814CEC-9F17-496B-99D6-DCE4BD5734FE}" type="datetimeFigureOut">
               <a:rPr lang="en-US" smtClean="0"/>
-              <a:t>26-11-19</a:t>
+              <a:t>28-11-19</a:t>
             </a:fld>
             <a:endParaRPr lang="en-US" dirty="0"/>
           </a:p>
@@ -5096,7 +5181,7 @@
           <a:p>
             <a:fld id="{AB814CEC-9F17-496B-99D6-DCE4BD5734FE}" type="datetimeFigureOut">
               <a:rPr lang="en-US" smtClean="0"/>
-              <a:t>26-11-19</a:t>
+              <a:t>28-11-19</a:t>
             </a:fld>
             <a:endParaRPr lang="en-US" dirty="0"/>
           </a:p>
@@ -5191,7 +5276,7 @@
           <a:p>
             <a:fld id="{AB814CEC-9F17-496B-99D6-DCE4BD5734FE}" type="datetimeFigureOut">
               <a:rPr lang="en-US" smtClean="0"/>
-              <a:t>26-11-19</a:t>
+              <a:t>28-11-19</a:t>
             </a:fld>
             <a:endParaRPr lang="en-US" dirty="0"/>
           </a:p>
@@ -5468,7 +5553,7 @@
           <a:p>
             <a:fld id="{AB814CEC-9F17-496B-99D6-DCE4BD5734FE}" type="datetimeFigureOut">
               <a:rPr lang="en-US" smtClean="0"/>
-              <a:t>26-11-19</a:t>
+              <a:t>28-11-19</a:t>
             </a:fld>
             <a:endParaRPr lang="en-US" dirty="0"/>
           </a:p>
@@ -5721,7 +5806,7 @@
           <a:p>
             <a:fld id="{AB814CEC-9F17-496B-99D6-DCE4BD5734FE}" type="datetimeFigureOut">
               <a:rPr lang="en-US" smtClean="0"/>
-              <a:t>26-11-19</a:t>
+              <a:t>28-11-19</a:t>
             </a:fld>
             <a:endParaRPr lang="en-US" dirty="0"/>
           </a:p>
@@ -5934,7 +6019,7 @@
           <a:p>
             <a:fld id="{AB814CEC-9F17-496B-99D6-DCE4BD5734FE}" type="datetimeFigureOut">
               <a:rPr lang="en-US" smtClean="0"/>
-              <a:t>26-11-19</a:t>
+              <a:t>28-11-19</a:t>
             </a:fld>
             <a:endParaRPr lang="en-US" dirty="0"/>
           </a:p>
@@ -6499,7 +6584,7 @@
           <a:p>
             <a:fld id="{E5476EA0-6EC3-488A-9CFA-645165A5811E}" type="datetime1">
               <a:rPr lang="en-US" smtClean="0"/>
-              <a:t>26-11-19</a:t>
+              <a:t>28-11-19</a:t>
             </a:fld>
             <a:endParaRPr lang="en-US" dirty="0"/>
           </a:p>
@@ -7334,10 +7419,46 @@
         </p:nvSpPr>
         <p:spPr/>
         <p:txBody>
-          <a:bodyPr/>
+          <a:bodyPr>
+            <a:noAutofit/>
+          </a:bodyPr>
           <a:lstStyle/>
           <a:p>
-            <a:endParaRPr lang="en-US" dirty="0"/>
+            <a:pPr marL="0" indent="0" algn="ctr" rtl="1"/>
+            <a:r>
+              <a:rPr lang="he-IL" sz="3200" dirty="0"/>
+              <a:t>פגישת מאסטר:</a:t>
+            </a:r>
+            <a:br>
+              <a:rPr lang="he-IL" sz="3200" dirty="0"/>
+            </a:br>
+            <a:r>
+              <a:rPr lang="he-IL" sz="3200" dirty="0"/>
+              <a:t>תאריך: 26.11.2019</a:t>
+            </a:r>
+            <a:br>
+              <a:rPr lang="he-IL" sz="3200" dirty="0"/>
+            </a:br>
+            <a:r>
+              <a:rPr lang="he-IL" sz="3200" dirty="0"/>
+              <a:t>נוכחים: עמי</a:t>
+            </a:r>
+            <a:r>
+              <a:rPr lang="en-US" sz="3200" dirty="0"/>
+              <a:t>,</a:t>
+            </a:r>
+            <a:r>
+              <a:rPr lang="he-IL" sz="3200" dirty="0"/>
+              <a:t> אביטל, תמיר</a:t>
+            </a:r>
+            <a:r>
+              <a:rPr lang="en-US" sz="3200" dirty="0"/>
+              <a:t/>
+            </a:r>
+            <a:br>
+              <a:rPr lang="en-US" sz="3200" dirty="0"/>
+            </a:br>
+            <a:endParaRPr lang="en-US" sz="3200" dirty="0"/>
           </a:p>
         </p:txBody>
       </p:sp>
@@ -7376,8 +7497,8 @@
         </p:nvSpPr>
         <p:spPr>
           <a:xfrm>
-            <a:off x="1606296" y="2282825"/>
-            <a:ext cx="8269224" cy="1475359"/>
+            <a:off x="1624584" y="1569593"/>
+            <a:ext cx="8269224" cy="4364863"/>
           </a:xfrm>
           <a:prstGeom prst="rect">
             <a:avLst/>
@@ -7556,51 +7677,32 @@
               <a:buNone/>
             </a:pPr>
             <a:r>
-              <a:rPr lang="he-IL" sz="2400" dirty="0" smtClean="0"/>
-              <a:t>פגישת מאסטר:</a:t>
-            </a:r>
-          </a:p>
-          <a:p>
-            <a:pPr marL="0" indent="0" algn="ctr" rtl="1">
+              <a:rPr lang="he-IL" u="sng" dirty="0" smtClean="0"/>
+              <a:t>נקודות ממפגש קודם</a:t>
+            </a:r>
+          </a:p>
+          <a:p>
+            <a:pPr algn="r" rtl="1"/>
+            <a:r>
+              <a:rPr lang="he-IL" dirty="0"/>
+              <a:t> </a:t>
+            </a:r>
+            <a:r>
+              <a:rPr lang="he-IL" dirty="0" smtClean="0"/>
+              <a:t>בדיקת קשר בין המדדים שהוצגו</a:t>
+            </a:r>
+          </a:p>
+          <a:p>
+            <a:pPr algn="r" rtl="1"/>
+            <a:r>
+              <a:rPr lang="he-IL" dirty="0" smtClean="0"/>
+              <a:t>הכנת טבלת קונספטים – יתבצע דיון עלייה היום</a:t>
+            </a:r>
+          </a:p>
+          <a:p>
+            <a:pPr marL="0" indent="0" algn="r" rtl="1">
               <a:buNone/>
             </a:pPr>
-            <a:r>
-              <a:rPr lang="he-IL" sz="2400" dirty="0" smtClean="0"/>
-              <a:t>תאריך: </a:t>
-            </a:r>
-            <a:r>
-              <a:rPr lang="he-IL" sz="2400" dirty="0" smtClean="0"/>
-              <a:t>26.11.2019</a:t>
-            </a:r>
-            <a:endParaRPr lang="he-IL" sz="2400" dirty="0" smtClean="0"/>
-          </a:p>
-          <a:p>
-            <a:pPr marL="0" indent="0" algn="ctr" rtl="1">
-              <a:buNone/>
-            </a:pPr>
-            <a:r>
-              <a:rPr lang="he-IL" sz="2400" dirty="0" smtClean="0"/>
-              <a:t>נוכחים: עמי</a:t>
-            </a:r>
-            <a:r>
-              <a:rPr lang="en-US" sz="2400" dirty="0"/>
-              <a:t>,</a:t>
-            </a:r>
-            <a:r>
-              <a:rPr lang="he-IL" sz="2400" dirty="0" smtClean="0"/>
-              <a:t> אביטל, תמיר</a:t>
-            </a:r>
-            <a:endParaRPr lang="en-US" sz="2400" dirty="0" smtClean="0"/>
-          </a:p>
-          <a:p>
-            <a:pPr marL="0" indent="0" algn="ctr">
-              <a:buFont typeface="Arial" panose="020B0604020202020204" pitchFamily="34" charset="0"/>
-              <a:buNone/>
-            </a:pPr>
-            <a:endParaRPr lang="en-US" sz="3600" dirty="0" smtClean="0"/>
-          </a:p>
-          <a:p>
-            <a:pPr algn="ctr"/>
             <a:endParaRPr lang="en-US" dirty="0"/>
           </a:p>
         </p:txBody>
@@ -7645,12 +7747,7 @@
             <p:ph type="title"/>
           </p:nvPr>
         </p:nvSpPr>
-        <p:spPr>
-          <a:xfrm>
-            <a:off x="235649" y="0"/>
-            <a:ext cx="10515600" cy="1325563"/>
-          </a:xfrm>
-        </p:spPr>
+        <p:spPr/>
         <p:txBody>
           <a:bodyPr/>
           <a:lstStyle/>
@@ -7664,40 +7761,67 @@
                   </a:schemeClr>
                 </a:solidFill>
               </a:rPr>
-              <a:t>Indices</a:t>
+              <a:t>Simulation</a:t>
             </a:r>
             <a:endParaRPr lang="en-US" dirty="0"/>
           </a:p>
         </p:txBody>
       </p:sp>
-      <p:pic>
-        <p:nvPicPr>
-          <p:cNvPr id="5" name="Content Placeholder 4"/>
-          <p:cNvPicPr>
-            <a:picLocks noGrp="1" noChangeAspect="1"/>
-          </p:cNvPicPr>
+      <p:sp>
+        <p:nvSpPr>
+          <p:cNvPr id="3" name="Content Placeholder 2"/>
+          <p:cNvSpPr>
+            <a:spLocks noGrp="1"/>
+          </p:cNvSpPr>
           <p:nvPr>
             <p:ph idx="1"/>
           </p:nvPr>
-        </p:nvPicPr>
-        <p:blipFill rotWithShape="1">
-          <a:blip r:embed="rId2">
-            <a:extLst>
-              <a:ext uri="{28A0092B-C50C-407E-A947-70E740481C1C}">
-                <a14:useLocalDpi xmlns:a14="http://schemas.microsoft.com/office/drawing/2010/main" val="0"/>
-              </a:ext>
-            </a:extLst>
-          </a:blip>
-          <a:srcRect l="7727" t="8051" r="8394" b="7350"/>
-          <a:stretch/>
-        </p:blipFill>
+        </p:nvSpPr>
         <p:spPr>
           <a:xfrm>
-            <a:off x="235649" y="1097280"/>
-            <a:ext cx="10062405" cy="5427599"/>
+            <a:off x="838200" y="1825625"/>
+            <a:ext cx="9174480" cy="4351338"/>
           </a:xfrm>
         </p:spPr>
-      </p:pic>
+        <p:txBody>
+          <a:bodyPr/>
+          <a:lstStyle/>
+          <a:p>
+            <a:pPr algn="r" rtl="1"/>
+            <a:r>
+              <a:rPr lang="he-IL" dirty="0" smtClean="0"/>
+              <a:t>עד כה ביצעתי סימולציה על 126,841 זרועות מתוך </a:t>
+            </a:r>
+            <a:r>
+              <a:rPr lang="en-US" dirty="0" smtClean="0"/>
+              <a:t>1,695,044</a:t>
+            </a:r>
+            <a:r>
+              <a:rPr lang="he-IL" dirty="0" smtClean="0"/>
+              <a:t> זרועות אפשריות</a:t>
+            </a:r>
+            <a:r>
+              <a:rPr lang="en-US" dirty="0" smtClean="0"/>
+              <a:t>7.5%)</a:t>
+            </a:r>
+            <a:r>
+              <a:rPr lang="he-IL" dirty="0" smtClean="0"/>
+              <a:t>)</a:t>
+            </a:r>
+          </a:p>
+          <a:p>
+            <a:pPr algn="r" rtl="1"/>
+            <a:r>
+              <a:rPr lang="he-IL" dirty="0" smtClean="0"/>
+              <a:t>מתוך 126,841 זרועות כ- 9597 זרועות הוגדרו כהצלחה (7.5%)</a:t>
+            </a:r>
+          </a:p>
+          <a:p>
+            <a:pPr algn="r" rtl="1"/>
+            <a:endParaRPr lang="en-US" dirty="0"/>
+          </a:p>
+        </p:txBody>
+      </p:sp>
       <p:sp>
         <p:nvSpPr>
           <p:cNvPr id="4" name="Slide Number Placeholder 3"/>
@@ -7724,7 +7848,7 @@
     </p:spTree>
     <p:extLst>
       <p:ext uri="{BB962C8B-B14F-4D97-AF65-F5344CB8AC3E}">
-        <p14:creationId xmlns:p14="http://schemas.microsoft.com/office/powerpoint/2010/main" val="1726797006"/>
+        <p14:creationId xmlns:p14="http://schemas.microsoft.com/office/powerpoint/2010/main" val="2793665414"/>
       </p:ext>
     </p:extLst>
   </p:cSld>
@@ -7751,6 +7875,35 @@
           <a:chExt cx="0" cy="0"/>
         </a:xfrm>
       </p:grpSpPr>
+      <p:pic>
+        <p:nvPicPr>
+          <p:cNvPr id="7" name="Content Placeholder 6"/>
+          <p:cNvPicPr>
+            <a:picLocks noGrp="1" noChangeAspect="1"/>
+          </p:cNvPicPr>
+          <p:nvPr>
+            <p:ph idx="1"/>
+          </p:nvPr>
+        </p:nvPicPr>
+        <p:blipFill>
+          <a:blip r:embed="rId2">
+            <a:extLst>
+              <a:ext uri="{28A0092B-C50C-407E-A947-70E740481C1C}">
+                <a14:useLocalDpi xmlns:a14="http://schemas.microsoft.com/office/drawing/2010/main" val="0"/>
+              </a:ext>
+            </a:extLst>
+          </a:blip>
+          <a:stretch>
+            <a:fillRect/>
+          </a:stretch>
+        </p:blipFill>
+        <p:spPr>
+          <a:xfrm>
+            <a:off x="135064" y="868325"/>
+            <a:ext cx="10261664" cy="5488025"/>
+          </a:xfrm>
+        </p:spPr>
+      </p:pic>
       <p:sp>
         <p:nvSpPr>
           <p:cNvPr id="2" name="Title 1"/>
@@ -7763,7 +7916,7 @@
         </p:nvSpPr>
         <p:spPr>
           <a:xfrm>
-            <a:off x="838200" y="0"/>
+            <a:off x="235649" y="0"/>
             <a:ext cx="10515600" cy="1325563"/>
           </a:xfrm>
         </p:spPr>
@@ -7780,40 +7933,12 @@
                   </a:schemeClr>
                 </a:solidFill>
               </a:rPr>
-              <a:t>Time Compression </a:t>
+              <a:t>Indices</a:t>
             </a:r>
             <a:endParaRPr lang="en-US" dirty="0"/>
           </a:p>
         </p:txBody>
       </p:sp>
-      <p:pic>
-        <p:nvPicPr>
-          <p:cNvPr id="5" name="Content Placeholder 4"/>
-          <p:cNvPicPr>
-            <a:picLocks noGrp="1" noChangeAspect="1"/>
-          </p:cNvPicPr>
-          <p:nvPr>
-            <p:ph idx="1"/>
-          </p:nvPr>
-        </p:nvPicPr>
-        <p:blipFill rotWithShape="1">
-          <a:blip r:embed="rId2">
-            <a:extLst>
-              <a:ext uri="{28A0092B-C50C-407E-A947-70E740481C1C}">
-                <a14:useLocalDpi xmlns:a14="http://schemas.microsoft.com/office/drawing/2010/main" val="0"/>
-              </a:ext>
-            </a:extLst>
-          </a:blip>
-          <a:srcRect l="9242" t="9949" r="9166" b="5152"/>
-          <a:stretch/>
-        </p:blipFill>
-        <p:spPr>
-          <a:xfrm>
-            <a:off x="252452" y="1033590"/>
-            <a:ext cx="9565156" cy="5322760"/>
-          </a:xfrm>
-        </p:spPr>
-      </p:pic>
       <p:sp>
         <p:nvSpPr>
           <p:cNvPr id="4" name="Slide Number Placeholder 3"/>
@@ -7837,10 +7962,237 @@
           </a:p>
         </p:txBody>
       </p:sp>
+      <p:sp>
+        <p:nvSpPr>
+          <p:cNvPr id="6" name="Content Placeholder 2"/>
+          <p:cNvSpPr txBox="1">
+            <a:spLocks/>
+          </p:cNvSpPr>
+          <p:nvPr/>
+        </p:nvSpPr>
+        <p:spPr>
+          <a:xfrm>
+            <a:off x="8211312" y="5368607"/>
+            <a:ext cx="2807208" cy="1156272"/>
+          </a:xfrm>
+          <a:prstGeom prst="rect">
+            <a:avLst/>
+          </a:prstGeom>
+        </p:spPr>
+        <p:txBody>
+          <a:bodyPr vert="horz" lIns="91440" tIns="45720" rIns="91440" bIns="45720" rtlCol="0">
+            <a:normAutofit fontScale="92500" lnSpcReduction="10000"/>
+          </a:bodyPr>
+          <a:lstStyle>
+            <a:lvl1pPr marL="228600" indent="-228600" algn="l" defTabSz="914400" rtl="0" eaLnBrk="1" latinLnBrk="0" hangingPunct="1">
+              <a:lnSpc>
+                <a:spcPct val="90000"/>
+              </a:lnSpc>
+              <a:spcBef>
+                <a:spcPts val="1000"/>
+              </a:spcBef>
+              <a:buFont typeface="Arial" panose="020B0604020202020204" pitchFamily="34" charset="0"/>
+              <a:buChar char="•"/>
+              <a:defRPr sz="2800" kern="1200">
+                <a:solidFill>
+                  <a:schemeClr val="tx1"/>
+                </a:solidFill>
+                <a:latin typeface="+mn-lt"/>
+                <a:ea typeface="+mn-ea"/>
+                <a:cs typeface="+mn-cs"/>
+              </a:defRPr>
+            </a:lvl1pPr>
+            <a:lvl2pPr marL="685800" indent="-228600" algn="l" defTabSz="914400" rtl="0" eaLnBrk="1" latinLnBrk="0" hangingPunct="1">
+              <a:lnSpc>
+                <a:spcPct val="90000"/>
+              </a:lnSpc>
+              <a:spcBef>
+                <a:spcPts val="500"/>
+              </a:spcBef>
+              <a:buFont typeface="Arial" panose="020B0604020202020204" pitchFamily="34" charset="0"/>
+              <a:buChar char="•"/>
+              <a:defRPr sz="2400" kern="1200">
+                <a:solidFill>
+                  <a:schemeClr val="tx1"/>
+                </a:solidFill>
+                <a:latin typeface="+mn-lt"/>
+                <a:ea typeface="+mn-ea"/>
+                <a:cs typeface="+mn-cs"/>
+              </a:defRPr>
+            </a:lvl2pPr>
+            <a:lvl3pPr marL="1143000" indent="-228600" algn="l" defTabSz="914400" rtl="0" eaLnBrk="1" latinLnBrk="0" hangingPunct="1">
+              <a:lnSpc>
+                <a:spcPct val="90000"/>
+              </a:lnSpc>
+              <a:spcBef>
+                <a:spcPts val="500"/>
+              </a:spcBef>
+              <a:buFont typeface="Arial" panose="020B0604020202020204" pitchFamily="34" charset="0"/>
+              <a:buChar char="•"/>
+              <a:defRPr sz="2000" kern="1200">
+                <a:solidFill>
+                  <a:schemeClr val="tx1"/>
+                </a:solidFill>
+                <a:latin typeface="+mn-lt"/>
+                <a:ea typeface="+mn-ea"/>
+                <a:cs typeface="+mn-cs"/>
+              </a:defRPr>
+            </a:lvl3pPr>
+            <a:lvl4pPr marL="1600200" indent="-228600" algn="l" defTabSz="914400" rtl="0" eaLnBrk="1" latinLnBrk="0" hangingPunct="1">
+              <a:lnSpc>
+                <a:spcPct val="90000"/>
+              </a:lnSpc>
+              <a:spcBef>
+                <a:spcPts val="500"/>
+              </a:spcBef>
+              <a:buFont typeface="Arial" panose="020B0604020202020204" pitchFamily="34" charset="0"/>
+              <a:buChar char="•"/>
+              <a:defRPr sz="1800" kern="1200">
+                <a:solidFill>
+                  <a:schemeClr val="tx1"/>
+                </a:solidFill>
+                <a:latin typeface="+mn-lt"/>
+                <a:ea typeface="+mn-ea"/>
+                <a:cs typeface="+mn-cs"/>
+              </a:defRPr>
+            </a:lvl4pPr>
+            <a:lvl5pPr marL="2057400" indent="-228600" algn="l" defTabSz="914400" rtl="0" eaLnBrk="1" latinLnBrk="0" hangingPunct="1">
+              <a:lnSpc>
+                <a:spcPct val="90000"/>
+              </a:lnSpc>
+              <a:spcBef>
+                <a:spcPts val="500"/>
+              </a:spcBef>
+              <a:buFont typeface="Arial" panose="020B0604020202020204" pitchFamily="34" charset="0"/>
+              <a:buChar char="•"/>
+              <a:defRPr sz="1800" kern="1200">
+                <a:solidFill>
+                  <a:schemeClr val="tx1"/>
+                </a:solidFill>
+                <a:latin typeface="+mn-lt"/>
+                <a:ea typeface="+mn-ea"/>
+                <a:cs typeface="+mn-cs"/>
+              </a:defRPr>
+            </a:lvl5pPr>
+            <a:lvl6pPr marL="2514600" indent="-228600" algn="l" defTabSz="914400" rtl="0" eaLnBrk="1" latinLnBrk="0" hangingPunct="1">
+              <a:lnSpc>
+                <a:spcPct val="90000"/>
+              </a:lnSpc>
+              <a:spcBef>
+                <a:spcPts val="500"/>
+              </a:spcBef>
+              <a:buFont typeface="Arial" panose="020B0604020202020204" pitchFamily="34" charset="0"/>
+              <a:buChar char="•"/>
+              <a:defRPr sz="1800" kern="1200">
+                <a:solidFill>
+                  <a:schemeClr val="tx1"/>
+                </a:solidFill>
+                <a:latin typeface="+mn-lt"/>
+                <a:ea typeface="+mn-ea"/>
+                <a:cs typeface="+mn-cs"/>
+              </a:defRPr>
+            </a:lvl6pPr>
+            <a:lvl7pPr marL="2971800" indent="-228600" algn="l" defTabSz="914400" rtl="0" eaLnBrk="1" latinLnBrk="0" hangingPunct="1">
+              <a:lnSpc>
+                <a:spcPct val="90000"/>
+              </a:lnSpc>
+              <a:spcBef>
+                <a:spcPts val="500"/>
+              </a:spcBef>
+              <a:buFont typeface="Arial" panose="020B0604020202020204" pitchFamily="34" charset="0"/>
+              <a:buChar char="•"/>
+              <a:defRPr sz="1800" kern="1200">
+                <a:solidFill>
+                  <a:schemeClr val="tx1"/>
+                </a:solidFill>
+                <a:latin typeface="+mn-lt"/>
+                <a:ea typeface="+mn-ea"/>
+                <a:cs typeface="+mn-cs"/>
+              </a:defRPr>
+            </a:lvl7pPr>
+            <a:lvl8pPr marL="3429000" indent="-228600" algn="l" defTabSz="914400" rtl="0" eaLnBrk="1" latinLnBrk="0" hangingPunct="1">
+              <a:lnSpc>
+                <a:spcPct val="90000"/>
+              </a:lnSpc>
+              <a:spcBef>
+                <a:spcPts val="500"/>
+              </a:spcBef>
+              <a:buFont typeface="Arial" panose="020B0604020202020204" pitchFamily="34" charset="0"/>
+              <a:buChar char="•"/>
+              <a:defRPr sz="1800" kern="1200">
+                <a:solidFill>
+                  <a:schemeClr val="tx1"/>
+                </a:solidFill>
+                <a:latin typeface="+mn-lt"/>
+                <a:ea typeface="+mn-ea"/>
+                <a:cs typeface="+mn-cs"/>
+              </a:defRPr>
+            </a:lvl8pPr>
+            <a:lvl9pPr marL="3886200" indent="-228600" algn="l" defTabSz="914400" rtl="0" eaLnBrk="1" latinLnBrk="0" hangingPunct="1">
+              <a:lnSpc>
+                <a:spcPct val="90000"/>
+              </a:lnSpc>
+              <a:spcBef>
+                <a:spcPts val="500"/>
+              </a:spcBef>
+              <a:buFont typeface="Arial" panose="020B0604020202020204" pitchFamily="34" charset="0"/>
+              <a:buChar char="•"/>
+              <a:defRPr sz="1800" kern="1200">
+                <a:solidFill>
+                  <a:schemeClr val="tx1"/>
+                </a:solidFill>
+                <a:latin typeface="+mn-lt"/>
+                <a:ea typeface="+mn-ea"/>
+                <a:cs typeface="+mn-cs"/>
+              </a:defRPr>
+            </a:lvl9pPr>
+          </a:lstStyle>
+          <a:p>
+            <a:pPr algn="r" rtl="1"/>
+            <a:r>
+              <a:rPr lang="he-IL" sz="2000" dirty="0" smtClean="0"/>
+              <a:t>נראה שיש קשר בין </a:t>
+            </a:r>
+            <a:r>
+              <a:rPr lang="en-US" sz="2000" dirty="0" smtClean="0"/>
+              <a:t>LCI</a:t>
+            </a:r>
+            <a:r>
+              <a:rPr lang="he-IL" sz="2000" dirty="0" smtClean="0"/>
+              <a:t> ל </a:t>
+            </a:r>
+            <a:r>
+              <a:rPr lang="en-US" sz="2000" dirty="0" smtClean="0"/>
+              <a:t>MANIPULABILITY</a:t>
+            </a:r>
+            <a:endParaRPr lang="he-IL" sz="2000" dirty="0" smtClean="0"/>
+          </a:p>
+          <a:p>
+            <a:pPr algn="r" rtl="1"/>
+            <a:r>
+              <a:rPr lang="en-US" sz="2000" dirty="0" smtClean="0"/>
+              <a:t>JOINT</a:t>
+            </a:r>
+            <a:r>
+              <a:rPr lang="he-IL" sz="2000" dirty="0" smtClean="0"/>
+              <a:t> </a:t>
+            </a:r>
+            <a:r>
+              <a:rPr lang="en-US" sz="2000" dirty="0" smtClean="0"/>
+              <a:t>MID</a:t>
+            </a:r>
+            <a:r>
+              <a:rPr lang="he-IL" sz="2000" dirty="0" smtClean="0"/>
+              <a:t> גדל במספר דרגות חופש גדולות</a:t>
+            </a:r>
+            <a:endParaRPr lang="en-US" sz="2000" dirty="0"/>
+          </a:p>
+        </p:txBody>
+      </p:sp>
     </p:spTree>
     <p:extLst>
       <p:ext uri="{BB962C8B-B14F-4D97-AF65-F5344CB8AC3E}">
-        <p14:creationId xmlns:p14="http://schemas.microsoft.com/office/powerpoint/2010/main" val="76619750"/>
+        <p14:creationId xmlns:p14="http://schemas.microsoft.com/office/powerpoint/2010/main" val="1726797006"/>
       </p:ext>
     </p:extLst>
   </p:cSld>
@@ -7877,6 +8229,317 @@
             <p:ph type="title"/>
           </p:nvPr>
         </p:nvSpPr>
+        <p:spPr>
+          <a:xfrm>
+            <a:off x="838200" y="0"/>
+            <a:ext cx="10515600" cy="1325563"/>
+          </a:xfrm>
+        </p:spPr>
+        <p:txBody>
+          <a:bodyPr/>
+          <a:lstStyle/>
+          <a:p>
+            <a:pPr algn="ctr"/>
+            <a:r>
+              <a:rPr lang="en-US" b="1" dirty="0" smtClean="0">
+                <a:solidFill>
+                  <a:schemeClr val="accent6">
+                    <a:lumMod val="75000"/>
+                  </a:schemeClr>
+                </a:solidFill>
+              </a:rPr>
+              <a:t>Time Compression </a:t>
+            </a:r>
+            <a:endParaRPr lang="en-US" dirty="0"/>
+          </a:p>
+        </p:txBody>
+      </p:sp>
+      <p:pic>
+        <p:nvPicPr>
+          <p:cNvPr id="5" name="Content Placeholder 4"/>
+          <p:cNvPicPr>
+            <a:picLocks noGrp="1" noChangeAspect="1"/>
+          </p:cNvPicPr>
+          <p:nvPr>
+            <p:ph idx="1"/>
+          </p:nvPr>
+        </p:nvPicPr>
+        <p:blipFill rotWithShape="1">
+          <a:blip r:embed="rId2">
+            <a:extLst>
+              <a:ext uri="{28A0092B-C50C-407E-A947-70E740481C1C}">
+                <a14:useLocalDpi xmlns:a14="http://schemas.microsoft.com/office/drawing/2010/main" val="0"/>
+              </a:ext>
+            </a:extLst>
+          </a:blip>
+          <a:srcRect l="9242" t="9949" r="9166" b="5152"/>
+          <a:stretch/>
+        </p:blipFill>
+        <p:spPr>
+          <a:xfrm>
+            <a:off x="2139696" y="1033590"/>
+            <a:ext cx="7677912" cy="4272558"/>
+          </a:xfrm>
+        </p:spPr>
+      </p:pic>
+      <p:sp>
+        <p:nvSpPr>
+          <p:cNvPr id="4" name="Slide Number Placeholder 3"/>
+          <p:cNvSpPr>
+            <a:spLocks noGrp="1"/>
+          </p:cNvSpPr>
+          <p:nvPr>
+            <p:ph type="sldNum" sz="quarter" idx="12"/>
+          </p:nvPr>
+        </p:nvSpPr>
+        <p:spPr/>
+        <p:txBody>
+          <a:bodyPr/>
+          <a:lstStyle/>
+          <a:p>
+            <a:fld id="{46F73462-4705-4A44-BBF4-96DC5AF4F7E4}" type="slidenum">
+              <a:rPr lang="en-US" smtClean="0"/>
+              <a:t>13</a:t>
+            </a:fld>
+            <a:endParaRPr lang="en-US" dirty="0"/>
+          </a:p>
+        </p:txBody>
+      </p:sp>
+      <p:sp>
+        <p:nvSpPr>
+          <p:cNvPr id="6" name="Content Placeholder 2"/>
+          <p:cNvSpPr txBox="1">
+            <a:spLocks/>
+          </p:cNvSpPr>
+          <p:nvPr/>
+        </p:nvSpPr>
+        <p:spPr>
+          <a:xfrm>
+            <a:off x="1993392" y="5435675"/>
+            <a:ext cx="7708392" cy="791147"/>
+          </a:xfrm>
+          <a:prstGeom prst="rect">
+            <a:avLst/>
+          </a:prstGeom>
+        </p:spPr>
+        <p:txBody>
+          <a:bodyPr vert="horz" lIns="91440" tIns="45720" rIns="91440" bIns="45720" rtlCol="0">
+            <a:normAutofit/>
+          </a:bodyPr>
+          <a:lstStyle>
+            <a:lvl1pPr marL="228600" indent="-228600" algn="l" defTabSz="914400" rtl="0" eaLnBrk="1" latinLnBrk="0" hangingPunct="1">
+              <a:lnSpc>
+                <a:spcPct val="90000"/>
+              </a:lnSpc>
+              <a:spcBef>
+                <a:spcPts val="1000"/>
+              </a:spcBef>
+              <a:buFont typeface="Arial" panose="020B0604020202020204" pitchFamily="34" charset="0"/>
+              <a:buChar char="•"/>
+              <a:defRPr sz="2800" kern="1200">
+                <a:solidFill>
+                  <a:schemeClr val="tx1"/>
+                </a:solidFill>
+                <a:latin typeface="+mn-lt"/>
+                <a:ea typeface="+mn-ea"/>
+                <a:cs typeface="+mn-cs"/>
+              </a:defRPr>
+            </a:lvl1pPr>
+            <a:lvl2pPr marL="685800" indent="-228600" algn="l" defTabSz="914400" rtl="0" eaLnBrk="1" latinLnBrk="0" hangingPunct="1">
+              <a:lnSpc>
+                <a:spcPct val="90000"/>
+              </a:lnSpc>
+              <a:spcBef>
+                <a:spcPts val="500"/>
+              </a:spcBef>
+              <a:buFont typeface="Arial" panose="020B0604020202020204" pitchFamily="34" charset="0"/>
+              <a:buChar char="•"/>
+              <a:defRPr sz="2400" kern="1200">
+                <a:solidFill>
+                  <a:schemeClr val="tx1"/>
+                </a:solidFill>
+                <a:latin typeface="+mn-lt"/>
+                <a:ea typeface="+mn-ea"/>
+                <a:cs typeface="+mn-cs"/>
+              </a:defRPr>
+            </a:lvl2pPr>
+            <a:lvl3pPr marL="1143000" indent="-228600" algn="l" defTabSz="914400" rtl="0" eaLnBrk="1" latinLnBrk="0" hangingPunct="1">
+              <a:lnSpc>
+                <a:spcPct val="90000"/>
+              </a:lnSpc>
+              <a:spcBef>
+                <a:spcPts val="500"/>
+              </a:spcBef>
+              <a:buFont typeface="Arial" panose="020B0604020202020204" pitchFamily="34" charset="0"/>
+              <a:buChar char="•"/>
+              <a:defRPr sz="2000" kern="1200">
+                <a:solidFill>
+                  <a:schemeClr val="tx1"/>
+                </a:solidFill>
+                <a:latin typeface="+mn-lt"/>
+                <a:ea typeface="+mn-ea"/>
+                <a:cs typeface="+mn-cs"/>
+              </a:defRPr>
+            </a:lvl3pPr>
+            <a:lvl4pPr marL="1600200" indent="-228600" algn="l" defTabSz="914400" rtl="0" eaLnBrk="1" latinLnBrk="0" hangingPunct="1">
+              <a:lnSpc>
+                <a:spcPct val="90000"/>
+              </a:lnSpc>
+              <a:spcBef>
+                <a:spcPts val="500"/>
+              </a:spcBef>
+              <a:buFont typeface="Arial" panose="020B0604020202020204" pitchFamily="34" charset="0"/>
+              <a:buChar char="•"/>
+              <a:defRPr sz="1800" kern="1200">
+                <a:solidFill>
+                  <a:schemeClr val="tx1"/>
+                </a:solidFill>
+                <a:latin typeface="+mn-lt"/>
+                <a:ea typeface="+mn-ea"/>
+                <a:cs typeface="+mn-cs"/>
+              </a:defRPr>
+            </a:lvl4pPr>
+            <a:lvl5pPr marL="2057400" indent="-228600" algn="l" defTabSz="914400" rtl="0" eaLnBrk="1" latinLnBrk="0" hangingPunct="1">
+              <a:lnSpc>
+                <a:spcPct val="90000"/>
+              </a:lnSpc>
+              <a:spcBef>
+                <a:spcPts val="500"/>
+              </a:spcBef>
+              <a:buFont typeface="Arial" panose="020B0604020202020204" pitchFamily="34" charset="0"/>
+              <a:buChar char="•"/>
+              <a:defRPr sz="1800" kern="1200">
+                <a:solidFill>
+                  <a:schemeClr val="tx1"/>
+                </a:solidFill>
+                <a:latin typeface="+mn-lt"/>
+                <a:ea typeface="+mn-ea"/>
+                <a:cs typeface="+mn-cs"/>
+              </a:defRPr>
+            </a:lvl5pPr>
+            <a:lvl6pPr marL="2514600" indent="-228600" algn="l" defTabSz="914400" rtl="0" eaLnBrk="1" latinLnBrk="0" hangingPunct="1">
+              <a:lnSpc>
+                <a:spcPct val="90000"/>
+              </a:lnSpc>
+              <a:spcBef>
+                <a:spcPts val="500"/>
+              </a:spcBef>
+              <a:buFont typeface="Arial" panose="020B0604020202020204" pitchFamily="34" charset="0"/>
+              <a:buChar char="•"/>
+              <a:defRPr sz="1800" kern="1200">
+                <a:solidFill>
+                  <a:schemeClr val="tx1"/>
+                </a:solidFill>
+                <a:latin typeface="+mn-lt"/>
+                <a:ea typeface="+mn-ea"/>
+                <a:cs typeface="+mn-cs"/>
+              </a:defRPr>
+            </a:lvl6pPr>
+            <a:lvl7pPr marL="2971800" indent="-228600" algn="l" defTabSz="914400" rtl="0" eaLnBrk="1" latinLnBrk="0" hangingPunct="1">
+              <a:lnSpc>
+                <a:spcPct val="90000"/>
+              </a:lnSpc>
+              <a:spcBef>
+                <a:spcPts val="500"/>
+              </a:spcBef>
+              <a:buFont typeface="Arial" panose="020B0604020202020204" pitchFamily="34" charset="0"/>
+              <a:buChar char="•"/>
+              <a:defRPr sz="1800" kern="1200">
+                <a:solidFill>
+                  <a:schemeClr val="tx1"/>
+                </a:solidFill>
+                <a:latin typeface="+mn-lt"/>
+                <a:ea typeface="+mn-ea"/>
+                <a:cs typeface="+mn-cs"/>
+              </a:defRPr>
+            </a:lvl7pPr>
+            <a:lvl8pPr marL="3429000" indent="-228600" algn="l" defTabSz="914400" rtl="0" eaLnBrk="1" latinLnBrk="0" hangingPunct="1">
+              <a:lnSpc>
+                <a:spcPct val="90000"/>
+              </a:lnSpc>
+              <a:spcBef>
+                <a:spcPts val="500"/>
+              </a:spcBef>
+              <a:buFont typeface="Arial" panose="020B0604020202020204" pitchFamily="34" charset="0"/>
+              <a:buChar char="•"/>
+              <a:defRPr sz="1800" kern="1200">
+                <a:solidFill>
+                  <a:schemeClr val="tx1"/>
+                </a:solidFill>
+                <a:latin typeface="+mn-lt"/>
+                <a:ea typeface="+mn-ea"/>
+                <a:cs typeface="+mn-cs"/>
+              </a:defRPr>
+            </a:lvl8pPr>
+            <a:lvl9pPr marL="3886200" indent="-228600" algn="l" defTabSz="914400" rtl="0" eaLnBrk="1" latinLnBrk="0" hangingPunct="1">
+              <a:lnSpc>
+                <a:spcPct val="90000"/>
+              </a:lnSpc>
+              <a:spcBef>
+                <a:spcPts val="500"/>
+              </a:spcBef>
+              <a:buFont typeface="Arial" panose="020B0604020202020204" pitchFamily="34" charset="0"/>
+              <a:buChar char="•"/>
+              <a:defRPr sz="1800" kern="1200">
+                <a:solidFill>
+                  <a:schemeClr val="tx1"/>
+                </a:solidFill>
+                <a:latin typeface="+mn-lt"/>
+                <a:ea typeface="+mn-ea"/>
+                <a:cs typeface="+mn-cs"/>
+              </a:defRPr>
+            </a:lvl9pPr>
+          </a:lstStyle>
+          <a:p>
+            <a:pPr algn="r" rtl="1"/>
+            <a:r>
+              <a:rPr lang="he-IL" dirty="0" smtClean="0"/>
+              <a:t>נראה שהזמן לא יכול להוות מדד מדויק</a:t>
+            </a:r>
+            <a:endParaRPr lang="en-US" dirty="0"/>
+          </a:p>
+        </p:txBody>
+      </p:sp>
+    </p:spTree>
+    <p:extLst>
+      <p:ext uri="{BB962C8B-B14F-4D97-AF65-F5344CB8AC3E}">
+        <p14:creationId xmlns:p14="http://schemas.microsoft.com/office/powerpoint/2010/main" val="76619750"/>
+      </p:ext>
+    </p:extLst>
+  </p:cSld>
+  <p:clrMapOvr>
+    <a:masterClrMapping/>
+  </p:clrMapOvr>
+</p:sld>
+</file>
+
+<file path=ppt/slides/slide14.xml><?xml version="1.0" encoding="utf-8"?>
+<p:sld xmlns:a="http://schemas.openxmlformats.org/drawingml/2006/main" xmlns:r="http://schemas.openxmlformats.org/officeDocument/2006/relationships" xmlns:p="http://schemas.openxmlformats.org/presentationml/2006/main">
+  <p:cSld>
+    <p:spTree>
+      <p:nvGrpSpPr>
+        <p:cNvPr id="1" name=""/>
+        <p:cNvGrpSpPr/>
+        <p:nvPr/>
+      </p:nvGrpSpPr>
+      <p:grpSpPr>
+        <a:xfrm>
+          <a:off x="0" y="0"/>
+          <a:ext cx="0" cy="0"/>
+          <a:chOff x="0" y="0"/>
+          <a:chExt cx="0" cy="0"/>
+        </a:xfrm>
+      </p:grpSpPr>
+      <p:sp>
+        <p:nvSpPr>
+          <p:cNvPr id="2" name="Title 1"/>
+          <p:cNvSpPr>
+            <a:spLocks noGrp="1"/>
+          </p:cNvSpPr>
+          <p:nvPr>
+            <p:ph type="title"/>
+          </p:nvPr>
+        </p:nvSpPr>
         <p:spPr/>
         <p:txBody>
           <a:bodyPr/>
@@ -7920,7 +8583,7 @@
           <a:p>
             <a:fld id="{46F73462-4705-4A44-BBF4-96DC5AF4F7E4}" type="slidenum">
               <a:rPr lang="en-US" smtClean="0"/>
-              <a:t>13</a:t>
+              <a:t>14</a:t>
             </a:fld>
             <a:endParaRPr lang="en-US" dirty="0"/>
           </a:p>
@@ -17234,7 +17897,7 @@
 </p:sld>
 </file>
 
-<file path=ppt/slides/slide14.xml><?xml version="1.0" encoding="utf-8"?>
+<file path=ppt/slides/slide15.xml><?xml version="1.0" encoding="utf-8"?>
 <p:sld xmlns:a="http://schemas.openxmlformats.org/drawingml/2006/main" xmlns:r="http://schemas.openxmlformats.org/officeDocument/2006/relationships" xmlns:p="http://schemas.openxmlformats.org/presentationml/2006/main">
   <p:cSld>
     <p:spTree>
@@ -17321,7 +17984,7 @@
           <a:p>
             <a:fld id="{46F73462-4705-4A44-BBF4-96DC5AF4F7E4}" type="slidenum">
               <a:rPr lang="en-US" smtClean="0"/>
-              <a:t>14</a:t>
+              <a:t>15</a:t>
             </a:fld>
             <a:endParaRPr lang="en-US" dirty="0"/>
           </a:p>
@@ -18241,15 +18904,7 @@
           <a:p>
             <a:r>
               <a:rPr lang="en-US" sz="2000" dirty="0" smtClean="0"/>
-              <a:t>Take links length &amp; weight from 2 different manipulators: (UR5 &amp; </a:t>
-            </a:r>
-            <a:r>
-              <a:rPr lang="en-US" sz="2000" dirty="0" smtClean="0"/>
-              <a:t>Motoman</a:t>
-            </a:r>
-            <a:r>
-              <a:rPr lang="en-US" sz="2000" dirty="0" smtClean="0"/>
-              <a:t> NXC100)</a:t>
+              <a:t>Take links length &amp; weight from 2 different manipulators: (UR5 &amp; Motoman NXC100)</a:t>
             </a:r>
           </a:p>
           <a:p>
@@ -18264,23 +18919,7 @@
             </a:pPr>
             <a:r>
               <a:rPr lang="en-US" sz="2000" dirty="0" smtClean="0"/>
-              <a:t>* Weight[i] = </a:t>
-            </a:r>
-            <a:r>
-              <a:rPr lang="en-US" sz="2000" dirty="0" smtClean="0"/>
-              <a:t>acc_length</a:t>
-            </a:r>
-            <a:r>
-              <a:rPr lang="en-US" sz="2000" dirty="0" smtClean="0"/>
-              <a:t>[i] * 8.79 + 4.29 –</a:t>
-            </a:r>
-            <a:r>
-              <a:rPr lang="en-US" sz="2000" dirty="0" smtClean="0"/>
-              <a:t>acc_weight</a:t>
-            </a:r>
-            <a:r>
-              <a:rPr lang="en-US" sz="2000" dirty="0" smtClean="0"/>
-              <a:t>[i-1] </a:t>
+              <a:t>* Weight[i] = acc_length[i] * 8.79 + 4.29 –acc_weight[i-1] </a:t>
             </a:r>
           </a:p>
           <a:p>
@@ -19502,11 +20141,7 @@
             </a:r>
             <a:r>
               <a:rPr lang="he-IL" dirty="0" smtClean="0"/>
-              <a:t>) </a:t>
-            </a:r>
-            <a:r>
-              <a:rPr lang="he-IL" dirty="0" smtClean="0"/>
-              <a:t>למידול ההתנהגות – יוכל להחליף חלקית את הסימולטור לצורך האצת האופטימיזציה</a:t>
+              <a:t>) למידול ההתנהגות – יוכל להחליף חלקית את הסימולטור לצורך האצת האופטימיזציה</a:t>
             </a:r>
             <a:endParaRPr lang="en-US" dirty="0"/>
           </a:p>
